--- a/05-deque-radix/RadixSort.pptx
+++ b/05-deque-radix/RadixSort.pptx
@@ -423,6 +423,11 @@
         </p:txBody>
       </p:sp>
     </p:spTree>
+    <p:extLst>
+      <p:ext uri="{BB962C8B-B14F-4D97-AF65-F5344CB8AC3E}">
+        <p14:creationId xmlns:p14="http://schemas.microsoft.com/office/powerpoint/2010/main" val="1"/>
+      </p:ext>
+    </p:extLst>
   </p:cSld>
   <p:clrMap bg1="lt1" tx1="dk1" bg2="lt2" tx2="dk2" accent1="accent1" accent2="accent2" accent3="accent3" accent4="accent4" accent5="accent5" accent6="accent6" hlink="hlink" folHlink="folHlink"/>
 </p:handoutMaster>
@@ -625,35 +630,35 @@
           <a:p>
             <a:pPr lvl="0"/>
             <a:r>
-              <a:rPr lang="th-TH" noProof="0" smtClean="0"/>
+              <a:rPr lang="th-TH" noProof="0"/>
               <a:t>คลิกเพื่อแก้ไขลักษณะของข้อความต้นแบบ</a:t>
             </a:r>
           </a:p>
           <a:p>
             <a:pPr lvl="1"/>
             <a:r>
-              <a:rPr lang="th-TH" noProof="0" smtClean="0"/>
+              <a:rPr lang="th-TH" noProof="0"/>
               <a:t>ระดับที่สอง</a:t>
             </a:r>
           </a:p>
           <a:p>
             <a:pPr lvl="2"/>
             <a:r>
-              <a:rPr lang="th-TH" noProof="0" smtClean="0"/>
+              <a:rPr lang="th-TH" noProof="0"/>
               <a:t>ระดับที่สาม</a:t>
             </a:r>
           </a:p>
           <a:p>
             <a:pPr lvl="3"/>
             <a:r>
-              <a:rPr lang="th-TH" noProof="0" smtClean="0"/>
+              <a:rPr lang="th-TH" noProof="0"/>
               <a:t>ระดับที่สี่</a:t>
             </a:r>
           </a:p>
           <a:p>
             <a:pPr lvl="4"/>
             <a:r>
-              <a:rPr lang="th-TH" noProof="0" smtClean="0"/>
+              <a:rPr lang="th-TH" noProof="0"/>
               <a:t>ระดับที่ห้า</a:t>
             </a:r>
           </a:p>
@@ -1060,10 +1065,9 @@
           <a:lstStyle/>
           <a:p>
             <a:r>
-              <a:rPr lang="en-US" smtClean="0"/>
+              <a:rPr lang="en-US"/>
               <a:t>Click to edit Master title style</a:t>
             </a:r>
-            <a:endParaRPr lang="en-US"/>
           </a:p>
         </p:txBody>
       </p:sp>
@@ -1084,38 +1088,37 @@
           <a:p>
             <a:pPr lvl="0"/>
             <a:r>
-              <a:rPr lang="en-US" smtClean="0"/>
+              <a:rPr lang="en-US"/>
               <a:t>Click to edit Master text styles</a:t>
             </a:r>
           </a:p>
           <a:p>
             <a:pPr lvl="1"/>
             <a:r>
-              <a:rPr lang="en-US" smtClean="0"/>
+              <a:rPr lang="en-US"/>
               <a:t>Second level</a:t>
             </a:r>
           </a:p>
           <a:p>
             <a:pPr lvl="2"/>
             <a:r>
-              <a:rPr lang="en-US" smtClean="0"/>
+              <a:rPr lang="en-US"/>
               <a:t>Third level</a:t>
             </a:r>
           </a:p>
           <a:p>
             <a:pPr lvl="3"/>
             <a:r>
-              <a:rPr lang="en-US" smtClean="0"/>
+              <a:rPr lang="en-US"/>
               <a:t>Fourth level</a:t>
             </a:r>
           </a:p>
           <a:p>
             <a:pPr lvl="4"/>
             <a:r>
-              <a:rPr lang="en-US" smtClean="0"/>
+              <a:rPr lang="en-US"/>
               <a:t>Fifth level</a:t>
             </a:r>
-            <a:endParaRPr lang="en-US"/>
           </a:p>
         </p:txBody>
       </p:sp>
@@ -1165,10 +1168,9 @@
           <a:lstStyle/>
           <a:p>
             <a:r>
-              <a:rPr lang="en-US" smtClean="0"/>
+              <a:rPr lang="en-US"/>
               <a:t>Click to edit Master title style</a:t>
             </a:r>
-            <a:endParaRPr lang="en-US"/>
           </a:p>
         </p:txBody>
       </p:sp>
@@ -1194,38 +1196,37 @@
           <a:p>
             <a:pPr lvl="0"/>
             <a:r>
-              <a:rPr lang="en-US" smtClean="0"/>
+              <a:rPr lang="en-US"/>
               <a:t>Click to edit Master text styles</a:t>
             </a:r>
           </a:p>
           <a:p>
             <a:pPr lvl="1"/>
             <a:r>
-              <a:rPr lang="en-US" smtClean="0"/>
+              <a:rPr lang="en-US"/>
               <a:t>Second level</a:t>
             </a:r>
           </a:p>
           <a:p>
             <a:pPr lvl="2"/>
             <a:r>
-              <a:rPr lang="en-US" smtClean="0"/>
+              <a:rPr lang="en-US"/>
               <a:t>Third level</a:t>
             </a:r>
           </a:p>
           <a:p>
             <a:pPr lvl="3"/>
             <a:r>
-              <a:rPr lang="en-US" smtClean="0"/>
+              <a:rPr lang="en-US"/>
               <a:t>Fourth level</a:t>
             </a:r>
           </a:p>
           <a:p>
             <a:pPr lvl="4"/>
             <a:r>
-              <a:rPr lang="en-US" smtClean="0"/>
+              <a:rPr lang="en-US"/>
               <a:t>Fifth level</a:t>
             </a:r>
-            <a:endParaRPr lang="en-US"/>
           </a:p>
         </p:txBody>
       </p:sp>
@@ -1270,10 +1271,9 @@
           <a:lstStyle/>
           <a:p>
             <a:r>
-              <a:rPr lang="en-US" smtClean="0"/>
+              <a:rPr lang="en-US"/>
               <a:t>Click to edit Master title style</a:t>
             </a:r>
-            <a:endParaRPr lang="en-US"/>
           </a:p>
         </p:txBody>
       </p:sp>
@@ -1294,38 +1294,37 @@
           <a:p>
             <a:pPr lvl="0"/>
             <a:r>
-              <a:rPr lang="en-US" smtClean="0"/>
+              <a:rPr lang="en-US"/>
               <a:t>Click to edit Master text styles</a:t>
             </a:r>
           </a:p>
           <a:p>
             <a:pPr lvl="1"/>
             <a:r>
-              <a:rPr lang="en-US" smtClean="0"/>
+              <a:rPr lang="en-US"/>
               <a:t>Second level</a:t>
             </a:r>
           </a:p>
           <a:p>
             <a:pPr lvl="2"/>
             <a:r>
-              <a:rPr lang="en-US" smtClean="0"/>
+              <a:rPr lang="en-US"/>
               <a:t>Third level</a:t>
             </a:r>
           </a:p>
           <a:p>
             <a:pPr lvl="3"/>
             <a:r>
-              <a:rPr lang="en-US" smtClean="0"/>
+              <a:rPr lang="en-US"/>
               <a:t>Fourth level</a:t>
             </a:r>
           </a:p>
           <a:p>
             <a:pPr lvl="4"/>
             <a:r>
-              <a:rPr lang="en-US" smtClean="0"/>
+              <a:rPr lang="en-US"/>
               <a:t>Fifth level</a:t>
             </a:r>
-            <a:endParaRPr lang="en-US"/>
           </a:p>
         </p:txBody>
       </p:sp>
@@ -1379,10 +1378,9 @@
           </a:lstStyle>
           <a:p>
             <a:r>
-              <a:rPr lang="en-US" smtClean="0"/>
+              <a:rPr lang="en-US"/>
               <a:t>Click to edit Master title style</a:t>
             </a:r>
-            <a:endParaRPr lang="en-US"/>
           </a:p>
         </p:txBody>
       </p:sp>
@@ -1445,7 +1443,7 @@
           <a:p>
             <a:pPr lvl="0"/>
             <a:r>
-              <a:rPr lang="en-US" smtClean="0"/>
+              <a:rPr lang="en-US"/>
               <a:t>Click to edit Master text styles</a:t>
             </a:r>
           </a:p>
@@ -1492,10 +1490,9 @@
           <a:lstStyle/>
           <a:p>
             <a:r>
-              <a:rPr lang="en-US" smtClean="0"/>
+              <a:rPr lang="en-US"/>
               <a:t>Click to edit Master title style</a:t>
             </a:r>
-            <a:endParaRPr lang="en-US"/>
           </a:p>
         </p:txBody>
       </p:sp>
@@ -1549,38 +1546,37 @@
           <a:p>
             <a:pPr lvl="0"/>
             <a:r>
-              <a:rPr lang="en-US" smtClean="0"/>
+              <a:rPr lang="en-US"/>
               <a:t>Click to edit Master text styles</a:t>
             </a:r>
           </a:p>
           <a:p>
             <a:pPr lvl="1"/>
             <a:r>
-              <a:rPr lang="en-US" smtClean="0"/>
+              <a:rPr lang="en-US"/>
               <a:t>Second level</a:t>
             </a:r>
           </a:p>
           <a:p>
             <a:pPr lvl="2"/>
             <a:r>
-              <a:rPr lang="en-US" smtClean="0"/>
+              <a:rPr lang="en-US"/>
               <a:t>Third level</a:t>
             </a:r>
           </a:p>
           <a:p>
             <a:pPr lvl="3"/>
             <a:r>
-              <a:rPr lang="en-US" smtClean="0"/>
+              <a:rPr lang="en-US"/>
               <a:t>Fourth level</a:t>
             </a:r>
           </a:p>
           <a:p>
             <a:pPr lvl="4"/>
             <a:r>
-              <a:rPr lang="en-US" smtClean="0"/>
+              <a:rPr lang="en-US"/>
               <a:t>Fifth level</a:t>
             </a:r>
-            <a:endParaRPr lang="en-US"/>
           </a:p>
         </p:txBody>
       </p:sp>
@@ -1634,38 +1630,37 @@
           <a:p>
             <a:pPr lvl="0"/>
             <a:r>
-              <a:rPr lang="en-US" smtClean="0"/>
+              <a:rPr lang="en-US"/>
               <a:t>Click to edit Master text styles</a:t>
             </a:r>
           </a:p>
           <a:p>
             <a:pPr lvl="1"/>
             <a:r>
-              <a:rPr lang="en-US" smtClean="0"/>
+              <a:rPr lang="en-US"/>
               <a:t>Second level</a:t>
             </a:r>
           </a:p>
           <a:p>
             <a:pPr lvl="2"/>
             <a:r>
-              <a:rPr lang="en-US" smtClean="0"/>
+              <a:rPr lang="en-US"/>
               <a:t>Third level</a:t>
             </a:r>
           </a:p>
           <a:p>
             <a:pPr lvl="3"/>
             <a:r>
-              <a:rPr lang="en-US" smtClean="0"/>
+              <a:rPr lang="en-US"/>
               <a:t>Fourth level</a:t>
             </a:r>
           </a:p>
           <a:p>
             <a:pPr lvl="4"/>
             <a:r>
-              <a:rPr lang="en-US" smtClean="0"/>
+              <a:rPr lang="en-US"/>
               <a:t>Fifth level</a:t>
             </a:r>
-            <a:endParaRPr lang="en-US"/>
           </a:p>
         </p:txBody>
       </p:sp>
@@ -1719,10 +1714,9 @@
           </a:lstStyle>
           <a:p>
             <a:r>
-              <a:rPr lang="en-US" smtClean="0"/>
+              <a:rPr lang="en-US"/>
               <a:t>Click to edit Master title style</a:t>
             </a:r>
-            <a:endParaRPr lang="en-US"/>
           </a:p>
         </p:txBody>
       </p:sp>
@@ -1785,7 +1779,7 @@
           <a:p>
             <a:pPr lvl="0"/>
             <a:r>
-              <a:rPr lang="en-US" smtClean="0"/>
+              <a:rPr lang="en-US"/>
               <a:t>Click to edit Master text styles</a:t>
             </a:r>
           </a:p>
@@ -1841,38 +1835,37 @@
           <a:p>
             <a:pPr lvl="0"/>
             <a:r>
-              <a:rPr lang="en-US" smtClean="0"/>
+              <a:rPr lang="en-US"/>
               <a:t>Click to edit Master text styles</a:t>
             </a:r>
           </a:p>
           <a:p>
             <a:pPr lvl="1"/>
             <a:r>
-              <a:rPr lang="en-US" smtClean="0"/>
+              <a:rPr lang="en-US"/>
               <a:t>Second level</a:t>
             </a:r>
           </a:p>
           <a:p>
             <a:pPr lvl="2"/>
             <a:r>
-              <a:rPr lang="en-US" smtClean="0"/>
+              <a:rPr lang="en-US"/>
               <a:t>Third level</a:t>
             </a:r>
           </a:p>
           <a:p>
             <a:pPr lvl="3"/>
             <a:r>
-              <a:rPr lang="en-US" smtClean="0"/>
+              <a:rPr lang="en-US"/>
               <a:t>Fourth level</a:t>
             </a:r>
           </a:p>
           <a:p>
             <a:pPr lvl="4"/>
             <a:r>
-              <a:rPr lang="en-US" smtClean="0"/>
+              <a:rPr lang="en-US"/>
               <a:t>Fifth level</a:t>
             </a:r>
-            <a:endParaRPr lang="en-US"/>
           </a:p>
         </p:txBody>
       </p:sp>
@@ -1935,7 +1928,7 @@
           <a:p>
             <a:pPr lvl="0"/>
             <a:r>
-              <a:rPr lang="en-US" smtClean="0"/>
+              <a:rPr lang="en-US"/>
               <a:t>Click to edit Master text styles</a:t>
             </a:r>
           </a:p>
@@ -1991,38 +1984,37 @@
           <a:p>
             <a:pPr lvl="0"/>
             <a:r>
-              <a:rPr lang="en-US" smtClean="0"/>
+              <a:rPr lang="en-US"/>
               <a:t>Click to edit Master text styles</a:t>
             </a:r>
           </a:p>
           <a:p>
             <a:pPr lvl="1"/>
             <a:r>
-              <a:rPr lang="en-US" smtClean="0"/>
+              <a:rPr lang="en-US"/>
               <a:t>Second level</a:t>
             </a:r>
           </a:p>
           <a:p>
             <a:pPr lvl="2"/>
             <a:r>
-              <a:rPr lang="en-US" smtClean="0"/>
+              <a:rPr lang="en-US"/>
               <a:t>Third level</a:t>
             </a:r>
           </a:p>
           <a:p>
             <a:pPr lvl="3"/>
             <a:r>
-              <a:rPr lang="en-US" smtClean="0"/>
+              <a:rPr lang="en-US"/>
               <a:t>Fourth level</a:t>
             </a:r>
           </a:p>
           <a:p>
             <a:pPr lvl="4"/>
             <a:r>
-              <a:rPr lang="en-US" smtClean="0"/>
+              <a:rPr lang="en-US"/>
               <a:t>Fifth level</a:t>
             </a:r>
-            <a:endParaRPr lang="en-US"/>
           </a:p>
         </p:txBody>
       </p:sp>
@@ -2067,10 +2059,9 @@
           <a:lstStyle/>
           <a:p>
             <a:r>
-              <a:rPr lang="en-US" smtClean="0"/>
+              <a:rPr lang="en-US"/>
               <a:t>Click to edit Master title style</a:t>
             </a:r>
-            <a:endParaRPr lang="en-US"/>
           </a:p>
         </p:txBody>
       </p:sp>
@@ -2149,10 +2140,9 @@
           </a:lstStyle>
           <a:p>
             <a:r>
-              <a:rPr lang="en-US" smtClean="0"/>
+              <a:rPr lang="en-US"/>
               <a:t>Click to edit Master title style</a:t>
             </a:r>
-            <a:endParaRPr lang="en-US"/>
           </a:p>
         </p:txBody>
       </p:sp>
@@ -2206,38 +2196,37 @@
           <a:p>
             <a:pPr lvl="0"/>
             <a:r>
-              <a:rPr lang="en-US" smtClean="0"/>
+              <a:rPr lang="en-US"/>
               <a:t>Click to edit Master text styles</a:t>
             </a:r>
           </a:p>
           <a:p>
             <a:pPr lvl="1"/>
             <a:r>
-              <a:rPr lang="en-US" smtClean="0"/>
+              <a:rPr lang="en-US"/>
               <a:t>Second level</a:t>
             </a:r>
           </a:p>
           <a:p>
             <a:pPr lvl="2"/>
             <a:r>
-              <a:rPr lang="en-US" smtClean="0"/>
+              <a:rPr lang="en-US"/>
               <a:t>Third level</a:t>
             </a:r>
           </a:p>
           <a:p>
             <a:pPr lvl="3"/>
             <a:r>
-              <a:rPr lang="en-US" smtClean="0"/>
+              <a:rPr lang="en-US"/>
               <a:t>Fourth level</a:t>
             </a:r>
           </a:p>
           <a:p>
             <a:pPr lvl="4"/>
             <a:r>
-              <a:rPr lang="en-US" smtClean="0"/>
+              <a:rPr lang="en-US"/>
               <a:t>Fifth level</a:t>
             </a:r>
-            <a:endParaRPr lang="en-US"/>
           </a:p>
         </p:txBody>
       </p:sp>
@@ -2300,7 +2289,7 @@
           <a:p>
             <a:pPr lvl="0"/>
             <a:r>
-              <a:rPr lang="en-US" smtClean="0"/>
+              <a:rPr lang="en-US"/>
               <a:t>Click to edit Master text styles</a:t>
             </a:r>
           </a:p>
@@ -2356,10 +2345,9 @@
           </a:lstStyle>
           <a:p>
             <a:r>
-              <a:rPr lang="en-US" smtClean="0"/>
+              <a:rPr lang="en-US"/>
               <a:t>Click to edit Master title style</a:t>
             </a:r>
-            <a:endParaRPr lang="en-US"/>
           </a:p>
         </p:txBody>
       </p:sp>
@@ -2421,7 +2409,7 @@
           </a:lstStyle>
           <a:p>
             <a:pPr lvl="0"/>
-            <a:endParaRPr lang="en-US" noProof="0" smtClean="0"/>
+            <a:endParaRPr lang="en-US" noProof="0"/>
           </a:p>
         </p:txBody>
       </p:sp>
@@ -2484,7 +2472,7 @@
           <a:p>
             <a:pPr lvl="0"/>
             <a:r>
-              <a:rPr lang="en-US" smtClean="0"/>
+              <a:rPr lang="en-US"/>
               <a:t>Click to edit Master text styles</a:t>
             </a:r>
           </a:p>
@@ -2642,7 +2630,7 @@
           <a:p>
             <a:pPr lvl="0"/>
             <a:r>
-              <a:rPr lang="th-TH" smtClean="0"/>
+              <a:rPr lang="th-TH"/>
               <a:t>Click to edit Master title style</a:t>
             </a:r>
           </a:p>
@@ -2685,35 +2673,35 @@
           <a:p>
             <a:pPr lvl="0"/>
             <a:r>
-              <a:rPr lang="th-TH" smtClean="0"/>
+              <a:rPr lang="th-TH"/>
               <a:t>Click to edit Master text styles</a:t>
             </a:r>
           </a:p>
           <a:p>
             <a:pPr lvl="1"/>
             <a:r>
-              <a:rPr lang="th-TH" smtClean="0"/>
+              <a:rPr lang="th-TH"/>
               <a:t>Second level</a:t>
             </a:r>
           </a:p>
           <a:p>
             <a:pPr lvl="2"/>
             <a:r>
-              <a:rPr lang="th-TH" smtClean="0"/>
+              <a:rPr lang="th-TH"/>
               <a:t>Third level</a:t>
             </a:r>
           </a:p>
           <a:p>
             <a:pPr lvl="3"/>
             <a:r>
-              <a:rPr lang="th-TH" smtClean="0"/>
+              <a:rPr lang="th-TH"/>
               <a:t>Fourth level</a:t>
             </a:r>
           </a:p>
           <a:p>
             <a:pPr lvl="4"/>
             <a:r>
-              <a:rPr lang="th-TH" smtClean="0"/>
+              <a:rPr lang="th-TH"/>
               <a:t>Fifth level</a:t>
             </a:r>
           </a:p>
@@ -2809,7 +2797,7 @@
               <a:pPr algn="r">
                 <a:defRPr/>
               </a:pPr>
-              <a:t>11/02/59</a:t>
+              <a:t>27/08/68</a:t>
             </a:fld>
             <a:r>
               <a:rPr lang="th-TH" sz="1200">
@@ -3314,10 +3302,10 @@
           <a:lstStyle/>
           <a:p>
             <a:r>
-              <a:rPr lang="en-US" smtClean="0"/>
+              <a:rPr lang="en-US"/>
               <a:t>Radix Sort</a:t>
             </a:r>
-            <a:endParaRPr lang="th-TH" smtClean="0">
+            <a:endParaRPr lang="th-TH">
               <a:cs typeface="Tahoma" pitchFamily="34" charset="0"/>
             </a:endParaRPr>
           </a:p>
@@ -6508,7 +6496,7 @@
                 </a:spcBef>
               </a:pPr>
               <a:r>
-                <a:rPr lang="en-US" dirty="0" smtClean="0">
+                <a:rPr lang="en-US" dirty="0">
                   <a:sym typeface="Symbol" pitchFamily="18" charset="2"/>
                 </a:rPr>
                 <a:t>Sorted</a:t>
@@ -10471,107 +10459,107 @@
           <a:lstStyle/>
           <a:p>
             <a:r>
-              <a:rPr lang="en-US" dirty="0" err="1" smtClean="0"/>
+              <a:rPr lang="en-US" dirty="0" err="1"/>
               <a:t>int</a:t>
             </a:r>
             <a:r>
-              <a:rPr lang="en-US" dirty="0" smtClean="0"/>
+              <a:rPr lang="en-US" dirty="0"/>
               <a:t> </a:t>
             </a:r>
             <a:r>
-              <a:rPr lang="en-US" dirty="0" err="1" smtClean="0"/>
+              <a:rPr lang="en-US" dirty="0" err="1"/>
               <a:t>getDigit</a:t>
             </a:r>
             <a:r>
-              <a:rPr lang="en-US" dirty="0" smtClean="0"/>
+              <a:rPr lang="en-US" dirty="0"/>
               <a:t>(</a:t>
             </a:r>
             <a:r>
-              <a:rPr lang="en-US" dirty="0" err="1" smtClean="0"/>
+              <a:rPr lang="en-US" dirty="0" err="1"/>
               <a:t>int</a:t>
             </a:r>
             <a:r>
-              <a:rPr lang="en-US" dirty="0" smtClean="0"/>
+              <a:rPr lang="en-US" dirty="0"/>
               <a:t> v, </a:t>
             </a:r>
             <a:r>
-              <a:rPr lang="en-US" dirty="0" err="1" smtClean="0"/>
+              <a:rPr lang="en-US" dirty="0" err="1"/>
               <a:t>int</a:t>
             </a:r>
             <a:r>
-              <a:rPr lang="en-US" dirty="0" smtClean="0"/>
+              <a:rPr lang="en-US" dirty="0"/>
               <a:t> k) { // return the </a:t>
             </a:r>
             <a:r>
-              <a:rPr lang="en-US" dirty="0" err="1" smtClean="0"/>
+              <a:rPr lang="en-US" dirty="0" err="1"/>
               <a:t>kth</a:t>
             </a:r>
             <a:r>
-              <a:rPr lang="en-US" dirty="0" smtClean="0"/>
+              <a:rPr lang="en-US" dirty="0"/>
               <a:t> digit of v</a:t>
             </a:r>
           </a:p>
           <a:p>
             <a:r>
-              <a:rPr lang="en-US" dirty="0" smtClean="0"/>
+              <a:rPr lang="en-US" dirty="0"/>
               <a:t>    </a:t>
             </a:r>
             <a:r>
-              <a:rPr lang="en-US" dirty="0" err="1" smtClean="0"/>
+              <a:rPr lang="en-US" dirty="0" err="1"/>
               <a:t>int</a:t>
             </a:r>
             <a:r>
-              <a:rPr lang="en-US" dirty="0" smtClean="0"/>
+              <a:rPr lang="en-US" dirty="0"/>
               <a:t> </a:t>
             </a:r>
             <a:r>
-              <a:rPr lang="en-US" dirty="0" err="1" smtClean="0"/>
+              <a:rPr lang="en-US" dirty="0" err="1"/>
               <a:t>i</a:t>
             </a:r>
             <a:r>
-              <a:rPr lang="en-US" dirty="0" smtClean="0"/>
+              <a:rPr lang="en-US" dirty="0"/>
               <a:t>;</a:t>
             </a:r>
           </a:p>
           <a:p>
             <a:r>
-              <a:rPr lang="en-US" dirty="0" smtClean="0"/>
+              <a:rPr lang="en-US" dirty="0"/>
               <a:t>    for (</a:t>
             </a:r>
             <a:r>
-              <a:rPr lang="en-US" dirty="0" err="1" smtClean="0"/>
+              <a:rPr lang="en-US" dirty="0" err="1"/>
               <a:t>i</a:t>
             </a:r>
             <a:r>
-              <a:rPr lang="en-US" dirty="0" smtClean="0"/>
+              <a:rPr lang="en-US" dirty="0"/>
               <a:t>=0; </a:t>
             </a:r>
             <a:r>
-              <a:rPr lang="en-US" dirty="0" err="1" smtClean="0"/>
+              <a:rPr lang="en-US" dirty="0" err="1"/>
               <a:t>i</a:t>
             </a:r>
             <a:r>
-              <a:rPr lang="en-US" dirty="0" smtClean="0"/>
+              <a:rPr lang="en-US" dirty="0"/>
               <a:t>&lt;k; </a:t>
             </a:r>
             <a:r>
-              <a:rPr lang="en-US" dirty="0" err="1" smtClean="0"/>
+              <a:rPr lang="en-US" dirty="0" err="1"/>
               <a:t>i</a:t>
             </a:r>
             <a:r>
-              <a:rPr lang="en-US" dirty="0" smtClean="0"/>
+              <a:rPr lang="en-US" dirty="0"/>
               <a:t>++) v /= 10;</a:t>
             </a:r>
           </a:p>
           <a:p>
             <a:r>
-              <a:rPr lang="en-US" dirty="0" smtClean="0"/>
+              <a:rPr lang="en-US" dirty="0"/>
               <a:t>    return v % 10;</a:t>
             </a:r>
           </a:p>
           <a:p>
             <a:r>
-              <a:rPr lang="en-US" dirty="0" smtClean="0"/>
+              <a:rPr lang="en-US" dirty="0"/>
               <a:t>}</a:t>
             </a:r>
           </a:p>
@@ -10633,39 +10621,39 @@
               </a:spcBef>
             </a:pPr>
             <a:r>
-              <a:rPr lang="en-US" dirty="0" smtClean="0"/>
+              <a:rPr lang="en-US" dirty="0"/>
               <a:t>void </a:t>
             </a:r>
             <a:r>
-              <a:rPr lang="en-US" dirty="0" err="1" smtClean="0"/>
+              <a:rPr lang="en-US" dirty="0" err="1"/>
               <a:t>radixSort</a:t>
             </a:r>
             <a:r>
-              <a:rPr lang="en-US" dirty="0" smtClean="0"/>
+              <a:rPr lang="en-US" dirty="0"/>
               <a:t>(</a:t>
             </a:r>
             <a:r>
-              <a:rPr lang="en-US" dirty="0" err="1" smtClean="0"/>
+              <a:rPr lang="en-US" dirty="0" err="1"/>
               <a:t>int</a:t>
             </a:r>
             <a:r>
-              <a:rPr lang="en-US" dirty="0" smtClean="0"/>
+              <a:rPr lang="en-US" dirty="0"/>
               <a:t> data[], </a:t>
             </a:r>
             <a:r>
-              <a:rPr lang="en-US" dirty="0" err="1" smtClean="0"/>
+              <a:rPr lang="en-US" dirty="0" err="1"/>
               <a:t>int</a:t>
             </a:r>
             <a:r>
-              <a:rPr lang="en-US" dirty="0" smtClean="0"/>
+              <a:rPr lang="en-US" dirty="0"/>
               <a:t> n, </a:t>
             </a:r>
             <a:r>
-              <a:rPr lang="en-US" dirty="0" err="1" smtClean="0"/>
+              <a:rPr lang="en-US" dirty="0" err="1"/>
               <a:t>int</a:t>
             </a:r>
             <a:r>
-              <a:rPr lang="en-US" dirty="0" smtClean="0"/>
+              <a:rPr lang="en-US" dirty="0"/>
               <a:t> d) {  // d is the number of digits</a:t>
             </a:r>
           </a:p>
@@ -10676,23 +10664,23 @@
               </a:spcBef>
             </a:pPr>
             <a:r>
-              <a:rPr lang="en-US" dirty="0" smtClean="0"/>
+              <a:rPr lang="en-US" dirty="0"/>
               <a:t>    </a:t>
             </a:r>
             <a:r>
-              <a:rPr lang="en-US" dirty="0" err="1" smtClean="0"/>
+              <a:rPr lang="en-US" dirty="0" err="1"/>
               <a:t>int</a:t>
             </a:r>
             <a:r>
-              <a:rPr lang="en-US" dirty="0" smtClean="0"/>
+              <a:rPr lang="en-US" dirty="0"/>
               <a:t> </a:t>
             </a:r>
             <a:r>
-              <a:rPr lang="en-US" dirty="0" err="1" smtClean="0"/>
+              <a:rPr lang="en-US" dirty="0" err="1"/>
               <a:t>i</a:t>
             </a:r>
             <a:r>
-              <a:rPr lang="en-US" dirty="0" smtClean="0"/>
+              <a:rPr lang="en-US" dirty="0"/>
               <a:t>, k, j;</a:t>
             </a:r>
           </a:p>
@@ -10703,7 +10691,7 @@
               </a:spcBef>
             </a:pPr>
             <a:r>
-              <a:rPr lang="en-US" dirty="0" smtClean="0"/>
+              <a:rPr lang="en-US" dirty="0"/>
               <a:t>    Queue q[10];</a:t>
             </a:r>
           </a:p>
@@ -10714,39 +10702,39 @@
               </a:spcBef>
             </a:pPr>
             <a:r>
-              <a:rPr lang="en-US" dirty="0" smtClean="0"/>
+              <a:rPr lang="en-US" dirty="0"/>
               <a:t>    for (</a:t>
             </a:r>
             <a:r>
-              <a:rPr lang="en-US" dirty="0" err="1" smtClean="0"/>
+              <a:rPr lang="en-US" dirty="0" err="1"/>
               <a:t>i</a:t>
             </a:r>
             <a:r>
-              <a:rPr lang="en-US" dirty="0" smtClean="0"/>
+              <a:rPr lang="en-US" dirty="0"/>
               <a:t>=0; </a:t>
             </a:r>
             <a:r>
-              <a:rPr lang="en-US" dirty="0" err="1" smtClean="0"/>
+              <a:rPr lang="en-US" dirty="0" err="1"/>
               <a:t>i</a:t>
             </a:r>
             <a:r>
-              <a:rPr lang="en-US" dirty="0" smtClean="0"/>
+              <a:rPr lang="en-US" dirty="0"/>
               <a:t>&lt;10; </a:t>
             </a:r>
             <a:r>
-              <a:rPr lang="en-US" dirty="0" err="1" smtClean="0"/>
+              <a:rPr lang="en-US" dirty="0" err="1"/>
               <a:t>i</a:t>
             </a:r>
             <a:r>
-              <a:rPr lang="en-US" dirty="0" smtClean="0"/>
+              <a:rPr lang="en-US" dirty="0"/>
               <a:t>++) q[</a:t>
             </a:r>
             <a:r>
-              <a:rPr lang="en-US" dirty="0" err="1" smtClean="0"/>
+              <a:rPr lang="en-US" dirty="0" err="1"/>
               <a:t>i</a:t>
             </a:r>
             <a:r>
-              <a:rPr lang="en-US" dirty="0" smtClean="0"/>
+              <a:rPr lang="en-US" dirty="0"/>
               <a:t>] = new Queue(n);</a:t>
             </a:r>
           </a:p>
@@ -10756,7 +10744,7 @@
                 <a:spcPts val="0"/>
               </a:spcBef>
             </a:pPr>
-            <a:endParaRPr lang="en-US" dirty="0" smtClean="0"/>
+            <a:endParaRPr lang="en-US" dirty="0"/>
           </a:p>
           <a:p>
             <a:pPr>
@@ -10765,7 +10753,7 @@
               </a:spcBef>
             </a:pPr>
             <a:r>
-              <a:rPr lang="en-US" dirty="0" smtClean="0"/>
+              <a:rPr lang="en-US" dirty="0"/>
               <a:t>    for (k=0; k&lt;d; k++) {</a:t>
             </a:r>
           </a:p>
@@ -10776,31 +10764,31 @@
               </a:spcBef>
             </a:pPr>
             <a:r>
-              <a:rPr lang="en-US" dirty="0" smtClean="0"/>
+              <a:rPr lang="en-US" dirty="0"/>
               <a:t>        for (</a:t>
             </a:r>
             <a:r>
-              <a:rPr lang="en-US" dirty="0" err="1" smtClean="0"/>
+              <a:rPr lang="en-US" dirty="0" err="1"/>
               <a:t>i</a:t>
             </a:r>
             <a:r>
-              <a:rPr lang="en-US" dirty="0" smtClean="0"/>
+              <a:rPr lang="en-US" dirty="0"/>
               <a:t>=0; </a:t>
             </a:r>
             <a:r>
-              <a:rPr lang="en-US" dirty="0" err="1" smtClean="0"/>
+              <a:rPr lang="en-US" dirty="0" err="1"/>
               <a:t>i</a:t>
             </a:r>
             <a:r>
-              <a:rPr lang="en-US" dirty="0" smtClean="0"/>
+              <a:rPr lang="en-US" dirty="0"/>
               <a:t>&lt;n; </a:t>
             </a:r>
             <a:r>
-              <a:rPr lang="en-US" dirty="0" err="1" smtClean="0"/>
+              <a:rPr lang="en-US" dirty="0" err="1"/>
               <a:t>i</a:t>
             </a:r>
             <a:r>
-              <a:rPr lang="en-US" dirty="0" smtClean="0"/>
+              <a:rPr lang="en-US" dirty="0"/>
               <a:t>++) {</a:t>
             </a:r>
           </a:p>
@@ -10811,43 +10799,39 @@
               </a:spcBef>
             </a:pPr>
             <a:r>
-              <a:rPr lang="en-US" dirty="0" smtClean="0"/>
+              <a:rPr lang="en-US" dirty="0"/>
               <a:t>            q[</a:t>
             </a:r>
             <a:r>
-              <a:rPr lang="en-US" dirty="0" err="1" smtClean="0"/>
+              <a:rPr lang="en-US" dirty="0" err="1"/>
               <a:t>getDigit</a:t>
             </a:r>
             <a:r>
-              <a:rPr lang="en-US" dirty="0" smtClean="0"/>
+              <a:rPr lang="en-US" dirty="0"/>
               <a:t>(data[</a:t>
             </a:r>
             <a:r>
-              <a:rPr lang="en-US" dirty="0" err="1" smtClean="0"/>
+              <a:rPr lang="en-US" dirty="0" err="1"/>
               <a:t>i</a:t>
             </a:r>
             <a:r>
-              <a:rPr lang="en-US" dirty="0" smtClean="0"/>
-              <a:t>],k</a:t>
-            </a:r>
-            <a:r>
-              <a:rPr lang="en-US" dirty="0" smtClean="0"/>
-              <a:t>)].</a:t>
-            </a:r>
-            <a:r>
-              <a:rPr lang="en-US" dirty="0" err="1" smtClean="0"/>
+              <a:rPr lang="en-US" dirty="0"/>
+              <a:t>],k)].</a:t>
+            </a:r>
+            <a:r>
+              <a:rPr lang="en-US" dirty="0" err="1"/>
               <a:t>insertLast</a:t>
             </a:r>
             <a:r>
-              <a:rPr lang="en-US" dirty="0" smtClean="0"/>
+              <a:rPr lang="en-US" dirty="0"/>
               <a:t>(data[</a:t>
             </a:r>
             <a:r>
-              <a:rPr lang="en-US" dirty="0" err="1" smtClean="0"/>
+              <a:rPr lang="en-US" dirty="0" err="1"/>
               <a:t>i</a:t>
             </a:r>
             <a:r>
-              <a:rPr lang="en-US" dirty="0" smtClean="0"/>
+              <a:rPr lang="en-US" dirty="0"/>
               <a:t>]);</a:t>
             </a:r>
           </a:p>
@@ -10858,7 +10842,7 @@
               </a:spcBef>
             </a:pPr>
             <a:r>
-              <a:rPr lang="en-US" dirty="0" smtClean="0"/>
+              <a:rPr lang="en-US" dirty="0"/>
               <a:t>        }</a:t>
             </a:r>
           </a:p>
@@ -10869,31 +10853,31 @@
               </a:spcBef>
             </a:pPr>
             <a:r>
-              <a:rPr lang="en-US" dirty="0" smtClean="0"/>
+              <a:rPr lang="en-US" dirty="0"/>
               <a:t>        for (</a:t>
             </a:r>
             <a:r>
-              <a:rPr lang="en-US" dirty="0" err="1" smtClean="0"/>
+              <a:rPr lang="en-US" dirty="0" err="1"/>
               <a:t>i</a:t>
             </a:r>
             <a:r>
-              <a:rPr lang="en-US" dirty="0" smtClean="0"/>
+              <a:rPr lang="en-US" dirty="0"/>
               <a:t>=0, j=0; </a:t>
             </a:r>
             <a:r>
-              <a:rPr lang="en-US" dirty="0" err="1" smtClean="0"/>
+              <a:rPr lang="en-US" dirty="0" err="1"/>
               <a:t>i</a:t>
             </a:r>
             <a:r>
-              <a:rPr lang="en-US" dirty="0" smtClean="0"/>
+              <a:rPr lang="en-US" dirty="0"/>
               <a:t>&lt;10; </a:t>
             </a:r>
             <a:r>
-              <a:rPr lang="en-US" dirty="0" err="1" smtClean="0"/>
+              <a:rPr lang="en-US" dirty="0" err="1"/>
               <a:t>i</a:t>
             </a:r>
             <a:r>
-              <a:rPr lang="en-US" dirty="0" smtClean="0"/>
+              <a:rPr lang="en-US" dirty="0"/>
               <a:t>++) {</a:t>
             </a:r>
           </a:p>
@@ -10904,23 +10888,23 @@
               </a:spcBef>
             </a:pPr>
             <a:r>
-              <a:rPr lang="en-US" dirty="0" smtClean="0"/>
+              <a:rPr lang="en-US" dirty="0"/>
               <a:t>            while(!q[</a:t>
             </a:r>
             <a:r>
-              <a:rPr lang="en-US" dirty="0" err="1" smtClean="0"/>
+              <a:rPr lang="en-US" dirty="0" err="1"/>
               <a:t>i</a:t>
             </a:r>
             <a:r>
-              <a:rPr lang="en-US" dirty="0" smtClean="0"/>
+              <a:rPr lang="en-US" dirty="0"/>
               <a:t>].</a:t>
             </a:r>
             <a:r>
-              <a:rPr lang="en-US" dirty="0" err="1" smtClean="0"/>
+              <a:rPr lang="en-US" dirty="0" err="1"/>
               <a:t>isEmpty</a:t>
             </a:r>
             <a:r>
-              <a:rPr lang="en-US" dirty="0" smtClean="0"/>
+              <a:rPr lang="en-US" dirty="0"/>
               <a:t>()) {</a:t>
             </a:r>
           </a:p>
@@ -10931,26 +10915,25 @@
               </a:spcBef>
             </a:pPr>
             <a:r>
-              <a:rPr lang="en-US" dirty="0" smtClean="0"/>
+              <a:rPr lang="en-US" dirty="0"/>
               <a:t>                data[j++] = q[</a:t>
             </a:r>
             <a:r>
-              <a:rPr lang="en-US" dirty="0" err="1" smtClean="0"/>
+              <a:rPr lang="en-US" dirty="0" err="1"/>
               <a:t>i</a:t>
             </a:r>
             <a:r>
-              <a:rPr lang="en-US" dirty="0" smtClean="0"/>
+              <a:rPr lang="en-US" dirty="0"/>
               <a:t>].</a:t>
             </a:r>
             <a:r>
-              <a:rPr lang="en-US" dirty="0" err="1" smtClean="0"/>
+              <a:rPr lang="en-US" dirty="0" err="1"/>
               <a:t>removeFirst</a:t>
             </a:r>
             <a:r>
-              <a:rPr lang="en-US" dirty="0" smtClean="0"/>
+              <a:rPr lang="en-US" dirty="0"/>
               <a:t>();</a:t>
             </a:r>
-            <a:endParaRPr lang="en-US" dirty="0" smtClean="0"/>
           </a:p>
           <a:p>
             <a:pPr>
@@ -10959,7 +10942,7 @@
               </a:spcBef>
             </a:pPr>
             <a:r>
-              <a:rPr lang="en-US" dirty="0" smtClean="0"/>
+              <a:rPr lang="en-US" dirty="0"/>
               <a:t>            }</a:t>
             </a:r>
           </a:p>
@@ -10970,7 +10953,7 @@
               </a:spcBef>
             </a:pPr>
             <a:r>
-              <a:rPr lang="en-US" dirty="0" smtClean="0"/>
+              <a:rPr lang="en-US" dirty="0"/>
               <a:t>        }</a:t>
             </a:r>
           </a:p>
@@ -10981,7 +10964,7 @@
               </a:spcBef>
             </a:pPr>
             <a:r>
-              <a:rPr lang="en-US" dirty="0" smtClean="0"/>
+              <a:rPr lang="en-US" dirty="0"/>
               <a:t>    }</a:t>
             </a:r>
           </a:p>
@@ -10992,7 +10975,7 @@
               </a:spcBef>
             </a:pPr>
             <a:r>
-              <a:rPr lang="en-US" dirty="0" smtClean="0"/>
+              <a:rPr lang="en-US" dirty="0"/>
               <a:t>}</a:t>
             </a:r>
             <a:endParaRPr lang="th-TH" dirty="0"/>
